--- a/Google UX Certificate Course Series 2 Start the UX Design Process Empathize, Define, and Ideate/Google UX Design Certificate-Persona Template.pptx
+++ b/Google UX Certificate Course Series 2 Start the UX Design Process Empathize, Define, and Ideate/Google UX Design Certificate-Persona Template.pptx
@@ -1079,7 +1079,11 @@
               <a:buSzPts val="1100"/>
               <a:buNone/>
             </a:pPr>
-            <a:endParaRPr/>
+            <a:r>
+              <a:rPr lang="en-US" altLang="zh-CN" dirty="0"/>
+              <a:t>need English or Chinese version </a:t>
+            </a:r>
+            <a:endParaRPr dirty="0"/>
           </a:p>
         </p:txBody>
       </p:sp>
@@ -1208,7 +1212,7 @@
             </a:pPr>
             <a:r>
               <a:rPr lang="en-US" altLang="zh-CN" dirty="0"/>
-              <a:t>disabled</a:t>
+              <a:t>disabled with low vision</a:t>
             </a:r>
             <a:r>
               <a:rPr lang="zh-CN" altLang="en-US" dirty="0"/>
@@ -10498,7 +10502,31 @@
                 <a:cs typeface="Google Sans"/>
                 <a:sym typeface="Google Sans"/>
               </a:rPr>
-              <a:t>“R” </a:t>
+              <a:t>“</a:t>
+            </a:r>
+            <a:r>
+              <a:rPr lang="en-US" sz="1800" i="1" u="none" strike="noStrike" cap="none" dirty="0">
+                <a:solidFill>
+                  <a:srgbClr val="000000"/>
+                </a:solidFill>
+                <a:latin typeface="Google Sans"/>
+                <a:ea typeface="Google Sans"/>
+                <a:cs typeface="Google Sans"/>
+                <a:sym typeface="Google Sans"/>
+              </a:rPr>
+              <a:t>I like trying different coffee instead of making it myself to better experience the coffee culture.</a:t>
+            </a:r>
+            <a:r>
+              <a:rPr lang="en" sz="1800" i="1" u="none" strike="noStrike" cap="none" dirty="0">
+                <a:solidFill>
+                  <a:srgbClr val="000000"/>
+                </a:solidFill>
+                <a:latin typeface="Google Sans"/>
+                <a:ea typeface="Google Sans"/>
+                <a:cs typeface="Google Sans"/>
+                <a:sym typeface="Google Sans"/>
+              </a:rPr>
+              <a:t>” </a:t>
             </a:r>
             <a:endParaRPr sz="1800" i="1" u="none" strike="noStrike" cap="none" dirty="0">
               <a:solidFill>
@@ -10607,7 +10635,7 @@
               <a:buChar char="●"/>
             </a:pPr>
             <a:r>
-              <a:rPr lang="en" sz="1400" i="0" u="none" strike="noStrike" cap="none" dirty="0">
+              <a:rPr lang="en-US" sz="1400" i="0" u="none" strike="noStrike" cap="none" dirty="0">
                 <a:solidFill>
                   <a:srgbClr val="000000"/>
                 </a:solidFill>
@@ -10616,7 +10644,44 @@
                 <a:cs typeface="Google Sans"/>
                 <a:sym typeface="Google Sans"/>
               </a:rPr>
-              <a:t>T</a:t>
+              <a:t>To experience all the good coffees this city of cafes can offer.</a:t>
+            </a:r>
+            <a:endParaRPr lang="en" dirty="0">
+              <a:latin typeface="Google Sans"/>
+              <a:ea typeface="Google Sans"/>
+              <a:cs typeface="Google Sans"/>
+              <a:sym typeface="Google Sans"/>
+            </a:endParaRPr>
+          </a:p>
+          <a:p>
+            <a:pPr marL="457200" marR="0" lvl="0" indent="-317500" algn="l" rtl="0">
+              <a:lnSpc>
+                <a:spcPct val="100000"/>
+              </a:lnSpc>
+              <a:spcBef>
+                <a:spcPts val="0"/>
+              </a:spcBef>
+              <a:spcAft>
+                <a:spcPts val="0"/>
+              </a:spcAft>
+              <a:buClr>
+                <a:srgbClr val="000000"/>
+              </a:buClr>
+              <a:buSzPts val="1400"/>
+              <a:buFont typeface="Google Sans"/>
+              <a:buChar char="●"/>
+            </a:pPr>
+            <a:r>
+              <a:rPr lang="en-US" sz="1400" i="0" u="none" strike="noStrike" cap="none" dirty="0">
+                <a:solidFill>
+                  <a:srgbClr val="000000"/>
+                </a:solidFill>
+                <a:latin typeface="Google Sans"/>
+                <a:ea typeface="Google Sans"/>
+                <a:cs typeface="Google Sans"/>
+                <a:sym typeface="Google Sans"/>
+              </a:rPr>
+              <a:t>To enjoy the creative and inspiring vibe that an outstanding cafe provides.</a:t>
             </a:r>
             <a:endParaRPr sz="1400" i="0" u="none" strike="noStrike" cap="none" dirty="0">
               <a:solidFill>
@@ -10725,18 +10790,49 @@
               <a:buChar char="●"/>
             </a:pPr>
             <a:r>
-              <a:rPr lang="en" sz="1400" i="0" u="none" strike="noStrike" cap="none" dirty="0">
-                <a:solidFill>
-                  <a:schemeClr val="dk1"/>
+              <a:rPr lang="en-US" sz="1300" i="0" u="none" strike="noStrike" cap="none" dirty="0">
+                <a:solidFill>
+                  <a:srgbClr val="000000"/>
                 </a:solidFill>
                 <a:latin typeface="Google Sans"/>
                 <a:ea typeface="Google Sans"/>
                 <a:cs typeface="Google Sans"/>
                 <a:sym typeface="Google Sans"/>
               </a:rPr>
-              <a:t>T</a:t>
+              <a:t>The cafe's website and menu only has the French version, so there is a language barrier for non-French speakers.</a:t>
             </a:r>
-            <a:endParaRPr sz="1400" i="0" u="none" strike="noStrike" cap="none" dirty="0">
+          </a:p>
+          <a:p>
+            <a:pPr marL="457200" marR="0" lvl="0" indent="-317500" algn="l" rtl="0">
+              <a:lnSpc>
+                <a:spcPct val="100000"/>
+              </a:lnSpc>
+              <a:spcBef>
+                <a:spcPts val="0"/>
+              </a:spcBef>
+              <a:spcAft>
+                <a:spcPts val="0"/>
+              </a:spcAft>
+              <a:buClr>
+                <a:schemeClr val="dk1"/>
+              </a:buClr>
+              <a:buSzPts val="1400"/>
+              <a:buFont typeface="Google Sans"/>
+              <a:buChar char="●"/>
+            </a:pPr>
+            <a:r>
+              <a:rPr lang="en-US" sz="1300" i="0" u="none" strike="noStrike" cap="none" dirty="0">
+                <a:solidFill>
+                  <a:srgbClr val="000000"/>
+                </a:solidFill>
+                <a:latin typeface="Google Sans"/>
+                <a:ea typeface="Google Sans"/>
+                <a:cs typeface="Google Sans"/>
+                <a:sym typeface="Google Sans"/>
+              </a:rPr>
+              <a:t>To use translation tools is not very convenient.</a:t>
+            </a:r>
+            <a:endParaRPr sz="1300" i="0" u="none" strike="noStrike" cap="none" dirty="0">
               <a:solidFill>
                 <a:srgbClr val="000000"/>
               </a:solidFill>
@@ -10797,7 +10893,7 @@
               <a:buNone/>
             </a:pPr>
             <a:r>
-              <a:rPr lang="en-US" sz="1400" i="0" u="none" strike="noStrike" cap="none" dirty="0">
+              <a:rPr lang="en-US" sz="1100" i="0" u="none" strike="noStrike" cap="none" dirty="0" err="1">
                 <a:solidFill>
                   <a:srgbClr val="000000"/>
                 </a:solidFill>
@@ -10806,7 +10902,43 @@
                 <a:cs typeface="Google Sans"/>
                 <a:sym typeface="Google Sans"/>
               </a:rPr>
-              <a:t>B</a:t>
+              <a:t>Zicing</a:t>
+            </a:r>
+            <a:r>
+              <a:rPr lang="en-US" sz="1100" i="0" u="none" strike="noStrike" cap="none" dirty="0">
+                <a:solidFill>
+                  <a:srgbClr val="000000"/>
+                </a:solidFill>
+                <a:latin typeface="Google Sans"/>
+                <a:ea typeface="Google Sans"/>
+                <a:cs typeface="Google Sans"/>
+                <a:sym typeface="Google Sans"/>
+              </a:rPr>
+              <a:t> is now living and working in Paris and knows a little French. She is attracted by Paris fashion and design culture, but she cannot communicate in French very well. Most of her business partners speak English and so does </a:t>
+            </a:r>
+            <a:r>
+              <a:rPr lang="en-US" sz="1100" i="0" u="none" strike="noStrike" cap="none" dirty="0" err="1">
+                <a:solidFill>
+                  <a:srgbClr val="000000"/>
+                </a:solidFill>
+                <a:latin typeface="Google Sans"/>
+                <a:ea typeface="Google Sans"/>
+                <a:cs typeface="Google Sans"/>
+                <a:sym typeface="Google Sans"/>
+              </a:rPr>
+              <a:t>Zicing</a:t>
+            </a:r>
+            <a:r>
+              <a:rPr lang="en-US" sz="1100" i="0" u="none" strike="noStrike" cap="none" dirty="0">
+                <a:solidFill>
+                  <a:srgbClr val="000000"/>
+                </a:solidFill>
+                <a:latin typeface="Google Sans"/>
+                <a:ea typeface="Google Sans"/>
+                <a:cs typeface="Google Sans"/>
+                <a:sym typeface="Google Sans"/>
+              </a:rPr>
+              <a:t>, so she can communicate with them well. However, when it comes to life, language is a barrier to her. She hopes there are more shops like cafes can provide the English version of their products and services.</a:t>
             </a:r>
           </a:p>
         </p:txBody>
@@ -11243,7 +11375,7 @@
                 <a:cs typeface="Google Sans"/>
                 <a:sym typeface="Google Sans"/>
               </a:rPr>
-              <a:t>Morgan</a:t>
+              <a:t>Brown</a:t>
             </a:r>
             <a:r>
               <a:rPr lang="en" sz="1900" b="1" i="0" u="none" strike="noStrike" cap="none" dirty="0">
@@ -11801,7 +11933,31 @@
                 <a:cs typeface="Google Sans"/>
                 <a:sym typeface="Google Sans"/>
               </a:rPr>
-              <a:t>“R” </a:t>
+              <a:t>“</a:t>
+            </a:r>
+            <a:r>
+              <a:rPr lang="en-US" altLang="zh-CN" sz="1800" i="1" u="none" strike="noStrike" cap="none" dirty="0">
+                <a:solidFill>
+                  <a:srgbClr val="000000"/>
+                </a:solidFill>
+                <a:latin typeface="Google Sans"/>
+                <a:ea typeface="Google Sans"/>
+                <a:cs typeface="Google Sans"/>
+                <a:sym typeface="Google Sans"/>
+              </a:rPr>
+              <a:t>I live a busy lifestyle and I need a café which has a cozy and inviting vibe which can help me relax.</a:t>
+            </a:r>
+            <a:r>
+              <a:rPr lang="en" sz="1800" i="1" u="none" strike="noStrike" cap="none" dirty="0">
+                <a:solidFill>
+                  <a:srgbClr val="000000"/>
+                </a:solidFill>
+                <a:latin typeface="Google Sans"/>
+                <a:ea typeface="Google Sans"/>
+                <a:cs typeface="Google Sans"/>
+                <a:sym typeface="Google Sans"/>
+              </a:rPr>
+              <a:t>” </a:t>
             </a:r>
             <a:endParaRPr sz="1800" i="1" u="none" strike="noStrike" cap="none" dirty="0">
               <a:solidFill>
@@ -11823,8 +11979,8 @@
         </p:nvSpPr>
         <p:spPr>
           <a:xfrm>
-            <a:off x="3651375" y="1492000"/>
-            <a:ext cx="2522700" cy="1933800"/>
+            <a:off x="3651375" y="1370025"/>
+            <a:ext cx="2522700" cy="2055775"/>
           </a:xfrm>
           <a:prstGeom prst="rect">
             <a:avLst/>
@@ -11910,16 +12066,44 @@
               <a:buChar char="●"/>
             </a:pPr>
             <a:r>
-              <a:rPr lang="en" sz="1400" i="0" u="none" strike="noStrike" cap="none" dirty="0">
-                <a:solidFill>
-                  <a:srgbClr val="000000"/>
-                </a:solidFill>
+              <a:rPr lang="en-US" altLang="zh-CN" dirty="0">
                 <a:latin typeface="Google Sans"/>
                 <a:ea typeface="Google Sans"/>
                 <a:cs typeface="Google Sans"/>
                 <a:sym typeface="Google Sans"/>
               </a:rPr>
-              <a:t>T</a:t>
+              <a:t>To be a great developer for their clients.</a:t>
+            </a:r>
+          </a:p>
+          <a:p>
+            <a:pPr marL="457200" marR="0" lvl="0" indent="-317500" algn="l" rtl="0">
+              <a:lnSpc>
+                <a:spcPct val="100000"/>
+              </a:lnSpc>
+              <a:spcBef>
+                <a:spcPts val="0"/>
+              </a:spcBef>
+              <a:spcAft>
+                <a:spcPts val="0"/>
+              </a:spcAft>
+              <a:buClr>
+                <a:srgbClr val="000000"/>
+              </a:buClr>
+              <a:buSzPts val="1400"/>
+              <a:buFont typeface="Google Sans"/>
+              <a:buChar char="●"/>
+            </a:pPr>
+            <a:r>
+              <a:rPr lang="en-US" altLang="zh-CN" sz="1400" i="0" u="none" strike="noStrike" cap="none" dirty="0">
+                <a:solidFill>
+                  <a:srgbClr val="000000"/>
+                </a:solidFill>
+                <a:latin typeface="Google Sans"/>
+                <a:ea typeface="Google Sans"/>
+                <a:cs typeface="Google Sans"/>
+                <a:sym typeface="Google Sans"/>
+              </a:rPr>
+              <a:t>To maintain a good work-life balance while enjoying the café vibe </a:t>
             </a:r>
             <a:endParaRPr sz="1400" i="0" u="none" strike="noStrike" cap="none" dirty="0">
               <a:solidFill>
@@ -11941,8 +12125,8 @@
         </p:nvSpPr>
         <p:spPr>
           <a:xfrm>
-            <a:off x="6326475" y="1492000"/>
-            <a:ext cx="2522700" cy="1933800"/>
+            <a:off x="6326475" y="1275735"/>
+            <a:ext cx="2522700" cy="2150065"/>
           </a:xfrm>
           <a:prstGeom prst="rect">
             <a:avLst/>
@@ -11976,7 +12160,7 @@
               <a:buNone/>
             </a:pPr>
             <a:r>
-              <a:rPr lang="en" sz="1900" b="1" i="0" u="none" strike="noStrike" cap="none" dirty="0">
+              <a:rPr lang="en" sz="1800" b="1" i="0" u="none" strike="noStrike" cap="none" dirty="0">
                 <a:solidFill>
                   <a:srgbClr val="C5221F"/>
                 </a:solidFill>
@@ -11988,7 +12172,7 @@
               <a:t>Frustrations</a:t>
             </a:r>
             <a:r>
-              <a:rPr lang="en" sz="1800" b="1" i="0" u="none" strike="noStrike" cap="none" dirty="0">
+              <a:rPr lang="en" sz="1600" b="1" i="0" u="none" strike="noStrike" cap="none" dirty="0">
                 <a:solidFill>
                   <a:schemeClr val="dk1"/>
                 </a:solidFill>
@@ -11999,7 +12183,7 @@
               </a:rPr>
               <a:t> </a:t>
             </a:r>
-            <a:endParaRPr sz="1800" b="1" i="0" u="none" strike="noStrike" cap="none" dirty="0">
+            <a:endParaRPr sz="1600" b="1" i="0" u="none" strike="noStrike" cap="none" dirty="0">
               <a:solidFill>
                 <a:schemeClr val="dk1"/>
               </a:solidFill>
@@ -12028,7 +12212,7 @@
               <a:buChar char="●"/>
             </a:pPr>
             <a:r>
-              <a:rPr lang="en" sz="1400" i="0" u="none" strike="noStrike" cap="none" dirty="0">
+              <a:rPr lang="en" sz="1200" dirty="0">
                 <a:solidFill>
                   <a:schemeClr val="dk1"/>
                 </a:solidFill>
@@ -12037,9 +12221,159 @@
                 <a:cs typeface="Google Sans"/>
                 <a:sym typeface="Google Sans"/>
               </a:rPr>
-              <a:t>T</a:t>
+              <a:t>“</a:t>
             </a:r>
-            <a:endParaRPr sz="1400" i="0" u="none" strike="noStrike" cap="none" dirty="0">
+            <a:r>
+              <a:rPr lang="en-US" altLang="zh-CN" sz="1200" dirty="0">
+                <a:solidFill>
+                  <a:schemeClr val="dk1"/>
+                </a:solidFill>
+                <a:latin typeface="Google Sans"/>
+                <a:ea typeface="Google Sans"/>
+                <a:cs typeface="Google Sans"/>
+                <a:sym typeface="Google Sans"/>
+              </a:rPr>
+              <a:t>The cafes are not well designed and bring me little relaxation.</a:t>
+            </a:r>
+            <a:r>
+              <a:rPr lang="en" sz="1200" dirty="0">
+                <a:solidFill>
+                  <a:schemeClr val="dk1"/>
+                </a:solidFill>
+                <a:latin typeface="Google Sans"/>
+                <a:ea typeface="Google Sans"/>
+                <a:cs typeface="Google Sans"/>
+                <a:sym typeface="Google Sans"/>
+              </a:rPr>
+              <a:t>”</a:t>
+            </a:r>
+          </a:p>
+          <a:p>
+            <a:pPr marL="457200" marR="0" lvl="0" indent="-317500" algn="l" rtl="0">
+              <a:lnSpc>
+                <a:spcPct val="100000"/>
+              </a:lnSpc>
+              <a:spcBef>
+                <a:spcPts val="0"/>
+              </a:spcBef>
+              <a:spcAft>
+                <a:spcPts val="0"/>
+              </a:spcAft>
+              <a:buClr>
+                <a:schemeClr val="dk1"/>
+              </a:buClr>
+              <a:buSzPts val="1400"/>
+              <a:buFont typeface="Google Sans"/>
+              <a:buChar char="●"/>
+            </a:pPr>
+            <a:r>
+              <a:rPr lang="en" sz="1200" dirty="0">
+                <a:solidFill>
+                  <a:schemeClr val="dk1"/>
+                </a:solidFill>
+                <a:latin typeface="Google Sans"/>
+                <a:ea typeface="Google Sans"/>
+                <a:cs typeface="Google Sans"/>
+                <a:sym typeface="Google Sans"/>
+              </a:rPr>
+              <a:t>“</a:t>
+            </a:r>
+            <a:r>
+              <a:rPr lang="en-US" altLang="zh-CN" sz="1200" dirty="0">
+                <a:solidFill>
+                  <a:schemeClr val="dk1"/>
+                </a:solidFill>
+                <a:latin typeface="Google Sans"/>
+                <a:ea typeface="Google Sans"/>
+                <a:cs typeface="Google Sans"/>
+                <a:sym typeface="Google Sans"/>
+              </a:rPr>
+              <a:t>The cafes’ website design doesn’t not consider people with low vision like me.</a:t>
+            </a:r>
+            <a:r>
+              <a:rPr lang="en" sz="1200" dirty="0">
+                <a:solidFill>
+                  <a:schemeClr val="dk1"/>
+                </a:solidFill>
+                <a:latin typeface="Google Sans"/>
+                <a:ea typeface="Google Sans"/>
+                <a:cs typeface="Google Sans"/>
+                <a:sym typeface="Google Sans"/>
+              </a:rPr>
+              <a:t>”</a:t>
+            </a:r>
+          </a:p>
+          <a:p>
+            <a:pPr marL="457200" marR="0" lvl="0" indent="-317500" algn="l" rtl="0">
+              <a:lnSpc>
+                <a:spcPct val="100000"/>
+              </a:lnSpc>
+              <a:spcBef>
+                <a:spcPts val="0"/>
+              </a:spcBef>
+              <a:spcAft>
+                <a:spcPts val="0"/>
+              </a:spcAft>
+              <a:buClr>
+                <a:schemeClr val="dk1"/>
+              </a:buClr>
+              <a:buSzPts val="1400"/>
+              <a:buFont typeface="Google Sans"/>
+              <a:buChar char="●"/>
+            </a:pPr>
+            <a:r>
+              <a:rPr lang="en" sz="1200" dirty="0">
+                <a:solidFill>
+                  <a:schemeClr val="dk1"/>
+                </a:solidFill>
+                <a:latin typeface="Google Sans"/>
+                <a:ea typeface="Google Sans"/>
+                <a:cs typeface="Google Sans"/>
+                <a:sym typeface="Google Sans"/>
+              </a:rPr>
+              <a:t>“</a:t>
+            </a:r>
+            <a:r>
+              <a:rPr lang="en-US" altLang="zh-CN" sz="1200" dirty="0">
+                <a:solidFill>
+                  <a:schemeClr val="dk1"/>
+                </a:solidFill>
+                <a:latin typeface="Google Sans"/>
+                <a:ea typeface="Google Sans"/>
+                <a:cs typeface="Google Sans"/>
+                <a:sym typeface="Google Sans"/>
+              </a:rPr>
+              <a:t>The cafes are too far away from my home”</a:t>
+            </a:r>
+            <a:endParaRPr lang="en" sz="1200" dirty="0">
+              <a:solidFill>
+                <a:schemeClr val="dk1"/>
+              </a:solidFill>
+              <a:latin typeface="Google Sans"/>
+              <a:ea typeface="Google Sans"/>
+              <a:cs typeface="Google Sans"/>
+              <a:sym typeface="Google Sans"/>
+            </a:endParaRPr>
+          </a:p>
+          <a:p>
+            <a:pPr marL="457200" marR="0" lvl="0" indent="-317500" algn="l" rtl="0">
+              <a:lnSpc>
+                <a:spcPct val="100000"/>
+              </a:lnSpc>
+              <a:spcBef>
+                <a:spcPts val="0"/>
+              </a:spcBef>
+              <a:spcAft>
+                <a:spcPts val="0"/>
+              </a:spcAft>
+              <a:buClr>
+                <a:schemeClr val="dk1"/>
+              </a:buClr>
+              <a:buSzPts val="1400"/>
+              <a:buFont typeface="Google Sans"/>
+              <a:buChar char="●"/>
+            </a:pPr>
+            <a:endParaRPr sz="1200" i="0" u="none" strike="noStrike" cap="none" dirty="0">
               <a:solidFill>
                 <a:srgbClr val="000000"/>
               </a:solidFill>
@@ -12100,7 +12434,7 @@
               <a:buNone/>
             </a:pPr>
             <a:r>
-              <a:rPr lang="en-US" sz="1400" i="0" u="none" strike="noStrike" cap="none" dirty="0">
+              <a:rPr lang="en-US" sz="1200" i="0" u="none" strike="noStrike" cap="none" dirty="0">
                 <a:solidFill>
                   <a:srgbClr val="000000"/>
                 </a:solidFill>
@@ -12109,7 +12443,7 @@
                 <a:cs typeface="Google Sans"/>
                 <a:sym typeface="Google Sans"/>
               </a:rPr>
-              <a:t>B</a:t>
+              <a:t>John is a developer with a busy and demanding schedule. They work as an Android developer in a mid-sized IT company, and volunteer for a local charitable organization. John has low vision for which they use tools and technologies that can help make reading and work like programming accessible. But not all products provide these tools. John would like the web app providing technologies like text-to-speech.</a:t>
             </a:r>
           </a:p>
         </p:txBody>
